--- a/docs/resources/Fig15.pptx
+++ b/docs/resources/Fig15.pptx
@@ -259,7 +259,7 @@
           <a:p>
             <a:fld id="{89C48F96-F5DF-4FE2-ADA7-494B7CCFAB53}" type="datetimeFigureOut">
               <a:rPr lang="es-ES" smtClean="0"/>
-              <a:t>12/05/2019</a:t>
+              <a:t>15/05/2019</a:t>
             </a:fld>
             <a:endParaRPr lang="es-ES"/>
           </a:p>
@@ -457,7 +457,7 @@
           <a:p>
             <a:fld id="{89C48F96-F5DF-4FE2-ADA7-494B7CCFAB53}" type="datetimeFigureOut">
               <a:rPr lang="es-ES" smtClean="0"/>
-              <a:t>12/05/2019</a:t>
+              <a:t>15/05/2019</a:t>
             </a:fld>
             <a:endParaRPr lang="es-ES"/>
           </a:p>
@@ -665,7 +665,7 @@
           <a:p>
             <a:fld id="{89C48F96-F5DF-4FE2-ADA7-494B7CCFAB53}" type="datetimeFigureOut">
               <a:rPr lang="es-ES" smtClean="0"/>
-              <a:t>12/05/2019</a:t>
+              <a:t>15/05/2019</a:t>
             </a:fld>
             <a:endParaRPr lang="es-ES"/>
           </a:p>
@@ -863,7 +863,7 @@
           <a:p>
             <a:fld id="{89C48F96-F5DF-4FE2-ADA7-494B7CCFAB53}" type="datetimeFigureOut">
               <a:rPr lang="es-ES" smtClean="0"/>
-              <a:t>12/05/2019</a:t>
+              <a:t>15/05/2019</a:t>
             </a:fld>
             <a:endParaRPr lang="es-ES"/>
           </a:p>
@@ -1138,7 +1138,7 @@
           <a:p>
             <a:fld id="{89C48F96-F5DF-4FE2-ADA7-494B7CCFAB53}" type="datetimeFigureOut">
               <a:rPr lang="es-ES" smtClean="0"/>
-              <a:t>12/05/2019</a:t>
+              <a:t>15/05/2019</a:t>
             </a:fld>
             <a:endParaRPr lang="es-ES"/>
           </a:p>
@@ -1403,7 +1403,7 @@
           <a:p>
             <a:fld id="{89C48F96-F5DF-4FE2-ADA7-494B7CCFAB53}" type="datetimeFigureOut">
               <a:rPr lang="es-ES" smtClean="0"/>
-              <a:t>12/05/2019</a:t>
+              <a:t>15/05/2019</a:t>
             </a:fld>
             <a:endParaRPr lang="es-ES"/>
           </a:p>
@@ -1815,7 +1815,7 @@
           <a:p>
             <a:fld id="{89C48F96-F5DF-4FE2-ADA7-494B7CCFAB53}" type="datetimeFigureOut">
               <a:rPr lang="es-ES" smtClean="0"/>
-              <a:t>12/05/2019</a:t>
+              <a:t>15/05/2019</a:t>
             </a:fld>
             <a:endParaRPr lang="es-ES"/>
           </a:p>
@@ -1956,7 +1956,7 @@
           <a:p>
             <a:fld id="{89C48F96-F5DF-4FE2-ADA7-494B7CCFAB53}" type="datetimeFigureOut">
               <a:rPr lang="es-ES" smtClean="0"/>
-              <a:t>12/05/2019</a:t>
+              <a:t>15/05/2019</a:t>
             </a:fld>
             <a:endParaRPr lang="es-ES"/>
           </a:p>
@@ -2069,7 +2069,7 @@
           <a:p>
             <a:fld id="{89C48F96-F5DF-4FE2-ADA7-494B7CCFAB53}" type="datetimeFigureOut">
               <a:rPr lang="es-ES" smtClean="0"/>
-              <a:t>12/05/2019</a:t>
+              <a:t>15/05/2019</a:t>
             </a:fld>
             <a:endParaRPr lang="es-ES"/>
           </a:p>
@@ -2380,7 +2380,7 @@
           <a:p>
             <a:fld id="{89C48F96-F5DF-4FE2-ADA7-494B7CCFAB53}" type="datetimeFigureOut">
               <a:rPr lang="es-ES" smtClean="0"/>
-              <a:t>12/05/2019</a:t>
+              <a:t>15/05/2019</a:t>
             </a:fld>
             <a:endParaRPr lang="es-ES"/>
           </a:p>
@@ -2668,7 +2668,7 @@
           <a:p>
             <a:fld id="{89C48F96-F5DF-4FE2-ADA7-494B7CCFAB53}" type="datetimeFigureOut">
               <a:rPr lang="es-ES" smtClean="0"/>
-              <a:t>12/05/2019</a:t>
+              <a:t>15/05/2019</a:t>
             </a:fld>
             <a:endParaRPr lang="es-ES"/>
           </a:p>
@@ -2909,7 +2909,7 @@
           <a:p>
             <a:fld id="{89C48F96-F5DF-4FE2-ADA7-494B7CCFAB53}" type="datetimeFigureOut">
               <a:rPr lang="es-ES" smtClean="0"/>
-              <a:t>12/05/2019</a:t>
+              <a:t>15/05/2019</a:t>
             </a:fld>
             <a:endParaRPr lang="es-ES"/>
           </a:p>
@@ -3326,535 +3326,12 @@
           <a:chExt cx="0" cy="0"/>
         </a:xfrm>
       </p:grpSpPr>
-      <mc:AlternateContent xmlns:mc="http://schemas.openxmlformats.org/markup-compatibility/2006">
-        <mc:Choice xmlns:a14="http://schemas.microsoft.com/office/drawing/2010/main" Requires="a14">
-          <p:sp>
-            <p:nvSpPr>
-              <p:cNvPr id="52" name="CuadroTexto 83">
-                <a:extLst>
-                  <a:ext uri="{FF2B5EF4-FFF2-40B4-BE49-F238E27FC236}">
-                    <a16:creationId xmlns:a16="http://schemas.microsoft.com/office/drawing/2014/main" id="{41C93CB7-50CC-4093-BC28-C055D123405B}"/>
-                  </a:ext>
-                </a:extLst>
-              </p:cNvPr>
-              <p:cNvSpPr txBox="1"/>
-              <p:nvPr/>
-            </p:nvSpPr>
-            <p:spPr>
-              <a:xfrm>
-                <a:off x="40970" y="-11011"/>
-                <a:ext cx="1755243" cy="3570941"/>
-              </a:xfrm>
-              <a:prstGeom prst="rect">
-                <a:avLst/>
-              </a:prstGeom>
-              <a:noFill/>
-              <a:ln w="19050">
-                <a:noFill/>
-              </a:ln>
-            </p:spPr>
-            <p:style>
-              <a:lnRef idx="2">
-                <a:schemeClr val="accent5">
-                  <a:shade val="50000"/>
-                </a:schemeClr>
-              </a:lnRef>
-              <a:fillRef idx="1">
-                <a:schemeClr val="accent5"/>
-              </a:fillRef>
-              <a:effectRef idx="0">
-                <a:schemeClr val="accent5"/>
-              </a:effectRef>
-              <a:fontRef idx="minor">
-                <a:schemeClr val="lt1"/>
-              </a:fontRef>
-            </p:style>
-            <p:txBody>
-              <a:bodyPr wrap="square" rtlCol="0">
-                <a:noAutofit/>
-              </a:bodyPr>
-              <a:lstStyle/>
-              <a:p>
-                <a14:m>
-                  <m:oMathPara xmlns:m="http://schemas.openxmlformats.org/officeDocument/2006/math">
-                    <m:oMathParaPr>
-                      <m:jc m:val="centerGroup"/>
-                    </m:oMathParaPr>
-                    <m:oMath xmlns:m="http://schemas.openxmlformats.org/officeDocument/2006/math">
-                      <m:r>
-                        <m:rPr>
-                          <m:nor/>
-                        </m:rPr>
-                        <a:rPr lang="es-ES" sz="2800" smtClean="0">
-                          <a:solidFill>
-                            <a:srgbClr val="000000"/>
-                          </a:solidFill>
-                          <a:latin typeface="Cambria Math" panose="02040503050406030204" pitchFamily="18" charset="0"/>
-                          <a:ea typeface="Cambria Math" panose="02040503050406030204" pitchFamily="18" charset="0"/>
-                        </a:rPr>
-                        <m:t>A</m:t>
-                      </m:r>
-                      <m:r>
-                        <m:rPr>
-                          <m:nor/>
-                        </m:rPr>
-                        <a:rPr lang="es-ES" sz="2800" smtClean="0">
-                          <a:solidFill>
-                            <a:srgbClr val="000000"/>
-                          </a:solidFill>
-                          <a:effectLst/>
-                          <a:latin typeface="Cambria Math" panose="02040503050406030204" pitchFamily="18" charset="0"/>
-                          <a:ea typeface="Cambria Math" panose="02040503050406030204" pitchFamily="18" charset="0"/>
-                        </a:rPr>
-                        <m:t>∷=</m:t>
-                      </m:r>
-                      <m:r>
-                        <m:rPr>
-                          <m:nor/>
-                        </m:rPr>
-                        <a:rPr lang="es-ES" sz="2800" b="0" i="0" smtClean="0">
-                          <a:solidFill>
-                            <a:srgbClr val="000000"/>
-                          </a:solidFill>
-                          <a:effectLst/>
-                          <a:latin typeface="Cambria Math" panose="02040503050406030204" pitchFamily="18" charset="0"/>
-                          <a:ea typeface="Cambria Math" panose="02040503050406030204" pitchFamily="18" charset="0"/>
-                        </a:rPr>
-                        <m:t>nnn</m:t>
-                      </m:r>
-                    </m:oMath>
-                    <m:oMath xmlns:m="http://schemas.openxmlformats.org/officeDocument/2006/math">
-                      <m:r>
-                        <m:rPr>
-                          <m:nor/>
-                        </m:rPr>
-                        <a:rPr lang="es-ES" sz="2800" dirty="0">
-                          <a:solidFill>
-                            <a:srgbClr val="000000"/>
-                          </a:solidFill>
-                          <a:latin typeface="Cambria Math" panose="02040503050406030204" pitchFamily="18" charset="0"/>
-                          <a:ea typeface="Cambria Math" panose="02040503050406030204" pitchFamily="18" charset="0"/>
-                        </a:rPr>
-                        <m:t>H</m:t>
-                      </m:r>
-                      <m:r>
-                        <m:rPr>
-                          <m:nor/>
-                        </m:rPr>
-                        <a:rPr lang="es-ES" sz="2800">
-                          <a:solidFill>
-                            <a:srgbClr val="000000"/>
-                          </a:solidFill>
-                          <a:effectLst/>
-                          <a:latin typeface="Cambria Math" panose="02040503050406030204" pitchFamily="18" charset="0"/>
-                          <a:ea typeface="Cambria Math" panose="02040503050406030204" pitchFamily="18" charset="0"/>
-                        </a:rPr>
-                        <m:t>∷=</m:t>
-                      </m:r>
-                      <m:r>
-                        <m:rPr>
-                          <m:nor/>
-                        </m:rPr>
-                        <a:rPr lang="es-ES" sz="2800" b="0" i="0" smtClean="0">
-                          <a:solidFill>
-                            <a:srgbClr val="000000"/>
-                          </a:solidFill>
-                          <a:effectLst/>
-                          <a:latin typeface="Cambria Math" panose="02040503050406030204" pitchFamily="18" charset="0"/>
-                          <a:ea typeface="Cambria Math" panose="02040503050406030204" pitchFamily="18" charset="0"/>
-                        </a:rPr>
-                        <m:t>HH</m:t>
-                      </m:r>
-                    </m:oMath>
-                    <m:oMath xmlns:m="http://schemas.openxmlformats.org/officeDocument/2006/math">
-                      <m:r>
-                        <m:rPr>
-                          <m:sty m:val="p"/>
-                        </m:rPr>
-                        <a:rPr lang="es-ES" sz="2800">
-                          <a:solidFill>
-                            <a:srgbClr val="000000"/>
-                          </a:solidFill>
-                          <a:latin typeface="Cambria Math" panose="02040503050406030204" pitchFamily="18" charset="0"/>
-                          <a:ea typeface="Cambria Math" panose="02040503050406030204" pitchFamily="18" charset="0"/>
-                        </a:rPr>
-                        <m:t>H</m:t>
-                      </m:r>
-                      <m:r>
-                        <m:rPr>
-                          <m:nor/>
-                        </m:rPr>
-                        <a:rPr lang="es-ES" sz="2800">
-                          <a:solidFill>
-                            <a:srgbClr val="000000"/>
-                          </a:solidFill>
-                          <a:latin typeface="Cambria Math" panose="02040503050406030204" pitchFamily="18" charset="0"/>
-                          <a:ea typeface="Cambria Math" panose="02040503050406030204" pitchFamily="18" charset="0"/>
-                        </a:rPr>
-                        <m:t>∷=</m:t>
-                      </m:r>
-                      <m:r>
-                        <m:rPr>
-                          <m:nor/>
-                        </m:rPr>
-                        <a:rPr lang="es-ES" sz="2800" b="0" i="0" smtClean="0">
-                          <a:solidFill>
-                            <a:srgbClr val="000000"/>
-                          </a:solidFill>
-                          <a:latin typeface="Cambria Math" panose="02040503050406030204" pitchFamily="18" charset="0"/>
-                          <a:ea typeface="Cambria Math" panose="02040503050406030204" pitchFamily="18" charset="0"/>
-                        </a:rPr>
-                        <m:t>/</m:t>
-                      </m:r>
-                      <m:r>
-                        <m:rPr>
-                          <m:nor/>
-                        </m:rPr>
-                        <a:rPr lang="es-ES" sz="2800" b="0" i="0" smtClean="0">
-                          <a:solidFill>
-                            <a:srgbClr val="000000"/>
-                          </a:solidFill>
-                          <a:latin typeface="Cambria Math" panose="02040503050406030204" pitchFamily="18" charset="0"/>
-                          <a:ea typeface="Cambria Math" panose="02040503050406030204" pitchFamily="18" charset="0"/>
-                        </a:rPr>
-                        <m:t>N</m:t>
-                      </m:r>
-                    </m:oMath>
-                    <m:oMath xmlns:m="http://schemas.openxmlformats.org/officeDocument/2006/math">
-                      <m:r>
-                        <m:rPr>
-                          <m:nor/>
-                        </m:rPr>
-                        <a:rPr lang="es-ES" sz="2800" b="0" i="0" smtClean="0">
-                          <a:solidFill>
-                            <a:srgbClr val="000000"/>
-                          </a:solidFill>
-                          <a:effectLst/>
-                          <a:latin typeface="Cambria Math" panose="02040503050406030204" pitchFamily="18" charset="0"/>
-                          <a:ea typeface="Cambria Math" panose="02040503050406030204" pitchFamily="18" charset="0"/>
-                        </a:rPr>
-                        <m:t>H</m:t>
-                      </m:r>
-                      <m:r>
-                        <m:rPr>
-                          <m:nor/>
-                        </m:rPr>
-                        <a:rPr lang="es-ES" sz="2800">
-                          <a:solidFill>
-                            <a:srgbClr val="000000"/>
-                          </a:solidFill>
-                          <a:latin typeface="Cambria Math" panose="02040503050406030204" pitchFamily="18" charset="0"/>
-                          <a:ea typeface="Cambria Math" panose="02040503050406030204" pitchFamily="18" charset="0"/>
-                        </a:rPr>
-                        <m:t>∷=</m:t>
-                      </m:r>
-                      <m:r>
-                        <m:rPr>
-                          <m:nor/>
-                        </m:rPr>
-                        <a:rPr lang="es-ES" sz="2800" b="0" i="0" smtClean="0">
-                          <a:solidFill>
-                            <a:srgbClr val="000000"/>
-                          </a:solidFill>
-                          <a:effectLst/>
-                          <a:latin typeface="Cambria Math" panose="02040503050406030204" pitchFamily="18" charset="0"/>
-                          <a:ea typeface="Cambria Math" panose="02040503050406030204" pitchFamily="18" charset="0"/>
-                        </a:rPr>
-                        <m:t>/</m:t>
-                      </m:r>
-                      <m:r>
-                        <m:rPr>
-                          <m:nor/>
-                        </m:rPr>
-                        <a:rPr lang="es-ES" sz="2800" b="0" i="0" smtClean="0">
-                          <a:solidFill>
-                            <a:srgbClr val="000000"/>
-                          </a:solidFill>
-                          <a:effectLst/>
-                          <a:latin typeface="Cambria Math" panose="02040503050406030204" pitchFamily="18" charset="0"/>
-                          <a:ea typeface="Cambria Math" panose="02040503050406030204" pitchFamily="18" charset="0"/>
-                        </a:rPr>
-                        <m:t>N</m:t>
-                      </m:r>
-                    </m:oMath>
-                    <m:oMath xmlns:m="http://schemas.openxmlformats.org/officeDocument/2006/math">
-                      <m:r>
-                        <m:rPr>
-                          <m:nor/>
-                        </m:rPr>
-                        <a:rPr lang="es-ES" sz="2800" b="0" i="0" smtClean="0">
-                          <a:solidFill>
-                            <a:srgbClr val="000000"/>
-                          </a:solidFill>
-                          <a:effectLst/>
-                          <a:latin typeface="Cambria Math" panose="02040503050406030204" pitchFamily="18" charset="0"/>
-                          <a:ea typeface="Cambria Math" panose="02040503050406030204" pitchFamily="18" charset="0"/>
-                        </a:rPr>
-                        <m:t>N</m:t>
-                      </m:r>
-                      <m:r>
-                        <m:rPr>
-                          <m:nor/>
-                        </m:rPr>
-                        <a:rPr lang="es-ES" sz="2800">
-                          <a:solidFill>
-                            <a:srgbClr val="000000"/>
-                          </a:solidFill>
-                          <a:latin typeface="Cambria Math" panose="02040503050406030204" pitchFamily="18" charset="0"/>
-                          <a:ea typeface="Cambria Math" panose="02040503050406030204" pitchFamily="18" charset="0"/>
-                        </a:rPr>
-                        <m:t>∷=</m:t>
-                      </m:r>
-                      <m:r>
-                        <m:rPr>
-                          <m:nor/>
-                        </m:rPr>
-                        <a:rPr lang="es-ES" sz="2800" b="0" i="0" smtClean="0">
-                          <a:solidFill>
-                            <a:srgbClr val="000000"/>
-                          </a:solidFill>
-                          <a:effectLst/>
-                          <a:latin typeface="Cambria Math" panose="02040503050406030204" pitchFamily="18" charset="0"/>
-                          <a:ea typeface="Cambria Math" panose="02040503050406030204" pitchFamily="18" charset="0"/>
-                        </a:rPr>
-                        <m:t>nN</m:t>
-                      </m:r>
-                    </m:oMath>
-                    <m:oMath xmlns:m="http://schemas.openxmlformats.org/officeDocument/2006/math">
-                      <m:r>
-                        <m:rPr>
-                          <m:nor/>
-                        </m:rPr>
-                        <a:rPr lang="es-ES" sz="2800">
-                          <a:solidFill>
-                            <a:srgbClr val="000000"/>
-                          </a:solidFill>
-                          <a:latin typeface="Cambria Math" panose="02040503050406030204" pitchFamily="18" charset="0"/>
-                          <a:ea typeface="Cambria Math" panose="02040503050406030204" pitchFamily="18" charset="0"/>
-                        </a:rPr>
-                        <m:t>N</m:t>
-                      </m:r>
-                      <m:r>
-                        <m:rPr>
-                          <m:nor/>
-                        </m:rPr>
-                        <a:rPr lang="es-ES" sz="2800">
-                          <a:solidFill>
-                            <a:srgbClr val="000000"/>
-                          </a:solidFill>
-                          <a:latin typeface="Cambria Math" panose="02040503050406030204" pitchFamily="18" charset="0"/>
-                          <a:ea typeface="Cambria Math" panose="02040503050406030204" pitchFamily="18" charset="0"/>
-                        </a:rPr>
-                        <m:t>∷=</m:t>
-                      </m:r>
-                      <m:r>
-                        <m:rPr>
-                          <m:nor/>
-                        </m:rPr>
-                        <a:rPr lang="es-ES" sz="2800" b="0" i="0" smtClean="0">
-                          <a:solidFill>
-                            <a:srgbClr val="000000"/>
-                          </a:solidFill>
-                          <a:effectLst/>
-                          <a:latin typeface="Cambria Math" panose="02040503050406030204" pitchFamily="18" charset="0"/>
-                          <a:ea typeface="Cambria Math" panose="02040503050406030204" pitchFamily="18" charset="0"/>
-                        </a:rPr>
-                        <m:t>n</m:t>
-                      </m:r>
-                    </m:oMath>
-                    <m:oMath xmlns:m="http://schemas.openxmlformats.org/officeDocument/2006/math">
-                      <m:r>
-                        <m:rPr>
-                          <m:nor/>
-                        </m:rPr>
-                        <a:rPr lang="es-ES" sz="2800">
-                          <a:solidFill>
-                            <a:srgbClr val="000000"/>
-                          </a:solidFill>
-                          <a:latin typeface="Cambria Math" panose="02040503050406030204" pitchFamily="18" charset="0"/>
-                          <a:ea typeface="Cambria Math" panose="02040503050406030204" pitchFamily="18" charset="0"/>
-                        </a:rPr>
-                        <m:t>N</m:t>
-                      </m:r>
-                      <m:r>
-                        <m:rPr>
-                          <m:nor/>
-                        </m:rPr>
-                        <a:rPr lang="es-ES" sz="2800">
-                          <a:solidFill>
-                            <a:srgbClr val="000000"/>
-                          </a:solidFill>
-                          <a:latin typeface="Cambria Math" panose="02040503050406030204" pitchFamily="18" charset="0"/>
-                          <a:ea typeface="Cambria Math" panose="02040503050406030204" pitchFamily="18" charset="0"/>
-                        </a:rPr>
-                        <m:t>∷=</m:t>
-                      </m:r>
-                      <m:r>
-                        <m:rPr>
-                          <m:nor/>
-                        </m:rPr>
-                        <a:rPr lang="es-ES" sz="2800" b="0" i="0" smtClean="0">
-                          <a:solidFill>
-                            <a:srgbClr val="000000"/>
-                          </a:solidFill>
-                          <a:effectLst/>
-                          <a:latin typeface="Cambria Math" panose="02040503050406030204" pitchFamily="18" charset="0"/>
-                          <a:ea typeface="Cambria Math" panose="02040503050406030204" pitchFamily="18" charset="0"/>
-                        </a:rPr>
-                        <m:t>n</m:t>
-                      </m:r>
-                    </m:oMath>
-                    <m:oMath xmlns:m="http://schemas.openxmlformats.org/officeDocument/2006/math">
-                      <m:r>
-                        <m:rPr>
-                          <m:nor/>
-                        </m:rPr>
-                        <a:rPr lang="es-ES" sz="2800" dirty="0">
-                          <a:solidFill>
-                            <a:srgbClr val="000000"/>
-                          </a:solidFill>
-                          <a:latin typeface="Cambria Math" panose="02040503050406030204" pitchFamily="18" charset="0"/>
-                          <a:ea typeface="Cambria Math" panose="02040503050406030204" pitchFamily="18" charset="0"/>
-                        </a:rPr>
-                        <m:t>Z</m:t>
-                      </m:r>
-                      <m:r>
-                        <m:rPr>
-                          <m:nor/>
-                        </m:rPr>
-                        <a:rPr lang="es-ES" sz="2800">
-                          <a:solidFill>
-                            <a:srgbClr val="000000"/>
-                          </a:solidFill>
-                          <a:latin typeface="Cambria Math" panose="02040503050406030204" pitchFamily="18" charset="0"/>
-                          <a:ea typeface="Cambria Math" panose="02040503050406030204" pitchFamily="18" charset="0"/>
-                        </a:rPr>
-                        <m:t>∷=</m:t>
-                      </m:r>
-                      <m:r>
-                        <m:rPr>
-                          <m:nor/>
-                        </m:rPr>
-                        <a:rPr lang="es-ES" sz="2800">
-                          <a:solidFill>
-                            <a:srgbClr val="000000"/>
-                          </a:solidFill>
-                          <a:latin typeface="Cambria Math" panose="02040503050406030204" pitchFamily="18" charset="0"/>
-                          <a:ea typeface="Cambria Math" panose="02040503050406030204" pitchFamily="18" charset="0"/>
-                        </a:rPr>
-                        <m:t>n</m:t>
-                      </m:r>
-                      <m:r>
-                        <m:rPr>
-                          <m:nor/>
-                        </m:rPr>
-                        <a:rPr lang="es-ES" sz="2800" b="0" i="0" smtClean="0">
-                          <a:solidFill>
-                            <a:srgbClr val="000000"/>
-                          </a:solidFill>
-                          <a:latin typeface="Cambria Math" panose="02040503050406030204" pitchFamily="18" charset="0"/>
-                          <a:ea typeface="Cambria Math" panose="02040503050406030204" pitchFamily="18" charset="0"/>
-                        </a:rPr>
-                        <m:t>n</m:t>
-                      </m:r>
-                    </m:oMath>
-                  </m:oMathPara>
-                </a14:m>
-                <a:endParaRPr lang="es-ES" sz="2800" dirty="0">
-                  <a:solidFill>
-                    <a:srgbClr val="000000"/>
-                  </a:solidFill>
-                  <a:latin typeface="Cambria Math" panose="02040503050406030204" pitchFamily="18" charset="0"/>
-                  <a:ea typeface="Cambria Math" panose="02040503050406030204" pitchFamily="18" charset="0"/>
-                </a:endParaRPr>
-              </a:p>
-              <a:p>
-                <a:pPr>
-                  <a:spcAft>
-                    <a:spcPts val="0"/>
-                  </a:spcAft>
-                </a:pPr>
-                <a:endParaRPr lang="es-ES" sz="2800" b="0" dirty="0">
-                  <a:solidFill>
-                    <a:srgbClr val="000000"/>
-                  </a:solidFill>
-                  <a:effectLst/>
-                  <a:latin typeface="Cambria Math" panose="02040503050406030204" pitchFamily="18" charset="0"/>
-                  <a:ea typeface="Cambria Math" panose="02040503050406030204" pitchFamily="18" charset="0"/>
-                </a:endParaRPr>
-              </a:p>
-              <a:p>
-                <a:pPr>
-                  <a:spcAft>
-                    <a:spcPts val="0"/>
-                  </a:spcAft>
-                </a:pPr>
-                <a:r>
-                  <a:rPr lang="es-ES" sz="2800" dirty="0">
-                    <a:effectLst/>
-                    <a:latin typeface="Cambria Math" panose="02040503050406030204" pitchFamily="18" charset="0"/>
-                    <a:ea typeface="Cambria Math" panose="02040503050406030204" pitchFamily="18" charset="0"/>
-                  </a:rPr>
-                  <a:t>Z</a:t>
-                </a:r>
-              </a:p>
-            </p:txBody>
-          </p:sp>
-        </mc:Choice>
-        <mc:Fallback>
-          <p:sp>
-            <p:nvSpPr>
-              <p:cNvPr id="52" name="CuadroTexto 83">
-                <a:extLst>
-                  <a:ext uri="{FF2B5EF4-FFF2-40B4-BE49-F238E27FC236}">
-                    <a16:creationId xmlns:a16="http://schemas.microsoft.com/office/drawing/2014/main" id="{41C93CB7-50CC-4093-BC28-C055D123405B}"/>
-                  </a:ext>
-                </a:extLst>
-              </p:cNvPr>
-              <p:cNvSpPr txBox="1">
-                <a:spLocks noRot="1" noChangeAspect="1" noMove="1" noResize="1" noEditPoints="1" noAdjustHandles="1" noChangeArrowheads="1" noChangeShapeType="1" noTextEdit="1"/>
-              </p:cNvSpPr>
-              <p:nvPr/>
-            </p:nvSpPr>
-            <p:spPr>
-              <a:xfrm>
-                <a:off x="40970" y="-11011"/>
-                <a:ext cx="1755243" cy="3570941"/>
-              </a:xfrm>
-              <a:prstGeom prst="rect">
-                <a:avLst/>
-              </a:prstGeom>
-              <a:blipFill>
-                <a:blip r:embed="rId2"/>
-                <a:stretch>
-                  <a:fillRect l="-7292" b="-26792"/>
-                </a:stretch>
-              </a:blipFill>
-              <a:ln w="19050">
-                <a:noFill/>
-              </a:ln>
-            </p:spPr>
-            <p:txBody>
-              <a:bodyPr/>
-              <a:lstStyle/>
-              <a:p>
-                <a:r>
-                  <a:rPr lang="es-ES">
-                    <a:noFill/>
-                  </a:rPr>
-                  <a:t> </a:t>
-                </a:r>
-              </a:p>
-            </p:txBody>
-          </p:sp>
-        </mc:Fallback>
-      </mc:AlternateContent>
       <p:grpSp>
         <p:nvGrpSpPr>
-          <p:cNvPr id="221" name="Grupo 220">
+          <p:cNvPr id="2" name="Grupo 1">
             <a:extLst>
               <a:ext uri="{FF2B5EF4-FFF2-40B4-BE49-F238E27FC236}">
-                <a16:creationId xmlns:a16="http://schemas.microsoft.com/office/drawing/2014/main" id="{D4562BBB-AA9A-4B7B-AE9D-6DDC6F8B1C79}"/>
+                <a16:creationId xmlns:a16="http://schemas.microsoft.com/office/drawing/2014/main" id="{88C20437-61E3-4030-9AAC-1524A96F12B2}"/>
               </a:ext>
             </a:extLst>
           </p:cNvPr>
@@ -3863,83 +3340,523 @@
         </p:nvGrpSpPr>
         <p:grpSpPr>
           <a:xfrm>
-            <a:off x="2198113" y="-11011"/>
-            <a:ext cx="7795774" cy="6880022"/>
-            <a:chOff x="2198113" y="0"/>
-            <a:chExt cx="7795774" cy="6880022"/>
+            <a:off x="326910" y="292602"/>
+            <a:ext cx="9666977" cy="6272796"/>
+            <a:chOff x="326910" y="-11011"/>
+            <a:chExt cx="9666977" cy="6272796"/>
           </a:xfrm>
         </p:grpSpPr>
-        <p:sp>
-          <p:nvSpPr>
-            <p:cNvPr id="96" name="CuadroTexto 95">
-              <a:extLst>
-                <a:ext uri="{FF2B5EF4-FFF2-40B4-BE49-F238E27FC236}">
-                  <a16:creationId xmlns:a16="http://schemas.microsoft.com/office/drawing/2014/main" id="{FB2738DA-EB7A-49E6-81DF-6BB6103D515C}"/>
-                </a:ext>
-              </a:extLst>
-            </p:cNvPr>
-            <p:cNvSpPr txBox="1"/>
-            <p:nvPr/>
-          </p:nvSpPr>
-          <p:spPr>
-            <a:xfrm>
-              <a:off x="4218676" y="6295247"/>
-              <a:ext cx="3755247" cy="584775"/>
-            </a:xfrm>
-            <a:prstGeom prst="rect">
-              <a:avLst/>
-            </a:prstGeom>
-            <a:noFill/>
-          </p:spPr>
-          <p:txBody>
-            <a:bodyPr wrap="square" rtlCol="0">
-              <a:spAutoFit/>
-            </a:bodyPr>
-            <a:lstStyle/>
-            <a:p>
-              <a:pPr algn="ctr"/>
-              <a:r>
-                <a:rPr lang="es-ES" sz="3200" dirty="0" err="1">
-                  <a:latin typeface="Cambria Math" panose="02040503050406030204" pitchFamily="18" charset="0"/>
-                  <a:ea typeface="Cambria Math" panose="02040503050406030204" pitchFamily="18" charset="0"/>
-                </a:rPr>
-                <a:t>nnn</a:t>
-              </a:r>
-              <a:r>
-                <a:rPr lang="es-ES" sz="3200" dirty="0">
-                  <a:latin typeface="Cambria Math" panose="02040503050406030204" pitchFamily="18" charset="0"/>
-                  <a:ea typeface="Cambria Math" panose="02040503050406030204" pitchFamily="18" charset="0"/>
-                </a:rPr>
-                <a:t>/</a:t>
-              </a:r>
-              <a:r>
-                <a:rPr lang="es-ES" sz="3200" dirty="0" err="1">
-                  <a:latin typeface="Cambria Math" panose="02040503050406030204" pitchFamily="18" charset="0"/>
-                  <a:ea typeface="Cambria Math" panose="02040503050406030204" pitchFamily="18" charset="0"/>
-                </a:rPr>
-                <a:t>nn</a:t>
-              </a:r>
-              <a:r>
-                <a:rPr lang="es-ES" sz="3200" dirty="0">
-                  <a:latin typeface="Cambria Math" panose="02040503050406030204" pitchFamily="18" charset="0"/>
-                  <a:ea typeface="Cambria Math" panose="02040503050406030204" pitchFamily="18" charset="0"/>
-                </a:rPr>
-                <a:t>/n/</a:t>
-              </a:r>
-              <a:r>
-                <a:rPr lang="es-ES" sz="3200" dirty="0" err="1">
-                  <a:latin typeface="Cambria Math" panose="02040503050406030204" pitchFamily="18" charset="0"/>
-                  <a:ea typeface="Cambria Math" panose="02040503050406030204" pitchFamily="18" charset="0"/>
-                </a:rPr>
-                <a:t>nn</a:t>
-              </a:r>
-              <a:endParaRPr lang="es-ES" sz="3200" dirty="0">
-                <a:latin typeface="Cambria Math" panose="02040503050406030204" pitchFamily="18" charset="0"/>
-                <a:ea typeface="Cambria Math" panose="02040503050406030204" pitchFamily="18" charset="0"/>
-              </a:endParaRPr>
-            </a:p>
-          </p:txBody>
-        </p:sp>
+        <mc:AlternateContent xmlns:mc="http://schemas.openxmlformats.org/markup-compatibility/2006">
+          <mc:Choice xmlns:a14="http://schemas.microsoft.com/office/drawing/2010/main" Requires="a14">
+            <p:sp>
+              <p:nvSpPr>
+                <p:cNvPr id="52" name="CuadroTexto 83">
+                  <a:extLst>
+                    <a:ext uri="{FF2B5EF4-FFF2-40B4-BE49-F238E27FC236}">
+                      <a16:creationId xmlns:a16="http://schemas.microsoft.com/office/drawing/2014/main" id="{41C93CB7-50CC-4093-BC28-C055D123405B}"/>
+                    </a:ext>
+                  </a:extLst>
+                </p:cNvPr>
+                <p:cNvSpPr txBox="1"/>
+                <p:nvPr/>
+              </p:nvSpPr>
+              <p:spPr>
+                <a:xfrm>
+                  <a:off x="326910" y="11214"/>
+                  <a:ext cx="1416755" cy="3570941"/>
+                </a:xfrm>
+                <a:prstGeom prst="rect">
+                  <a:avLst/>
+                </a:prstGeom>
+                <a:noFill/>
+                <a:ln w="19050">
+                  <a:noFill/>
+                </a:ln>
+              </p:spPr>
+              <p:style>
+                <a:lnRef idx="2">
+                  <a:schemeClr val="accent5">
+                    <a:shade val="50000"/>
+                  </a:schemeClr>
+                </a:lnRef>
+                <a:fillRef idx="1">
+                  <a:schemeClr val="accent5"/>
+                </a:fillRef>
+                <a:effectRef idx="0">
+                  <a:schemeClr val="accent5"/>
+                </a:effectRef>
+                <a:fontRef idx="minor">
+                  <a:schemeClr val="lt1"/>
+                </a:fontRef>
+              </p:style>
+              <p:txBody>
+                <a:bodyPr wrap="square" rtlCol="0">
+                  <a:noAutofit/>
+                </a:bodyPr>
+                <a:lstStyle/>
+                <a:p>
+                  <a:pPr/>
+                  <a14:m>
+                    <m:oMathPara xmlns:m="http://schemas.openxmlformats.org/officeDocument/2006/math">
+                      <m:oMathParaPr>
+                        <m:jc m:val="centerGroup"/>
+                      </m:oMathParaPr>
+                      <m:oMath xmlns:m="http://schemas.openxmlformats.org/officeDocument/2006/math">
+                        <m:r>
+                          <m:rPr>
+                            <m:nor/>
+                          </m:rPr>
+                          <a:rPr lang="es-ES" sz="2800" smtClean="0">
+                            <a:solidFill>
+                              <a:srgbClr val="000000"/>
+                            </a:solidFill>
+                            <a:latin typeface="Cambria Math" panose="02040503050406030204" pitchFamily="18" charset="0"/>
+                            <a:ea typeface="Cambria Math" panose="02040503050406030204" pitchFamily="18" charset="0"/>
+                          </a:rPr>
+                          <m:t>A</m:t>
+                        </m:r>
+                        <m:r>
+                          <m:rPr>
+                            <m:nor/>
+                          </m:rPr>
+                          <a:rPr lang="es-ES" sz="2800" smtClean="0">
+                            <a:solidFill>
+                              <a:srgbClr val="000000"/>
+                            </a:solidFill>
+                            <a:effectLst/>
+                            <a:latin typeface="Cambria Math" panose="02040503050406030204" pitchFamily="18" charset="0"/>
+                            <a:ea typeface="Cambria Math" panose="02040503050406030204" pitchFamily="18" charset="0"/>
+                          </a:rPr>
+                          <m:t>∷=</m:t>
+                        </m:r>
+                        <m:r>
+                          <m:rPr>
+                            <m:nor/>
+                          </m:rPr>
+                          <a:rPr lang="es-ES" sz="2800" b="0" i="0" smtClean="0">
+                            <a:solidFill>
+                              <a:srgbClr val="000000"/>
+                            </a:solidFill>
+                            <a:effectLst/>
+                            <a:latin typeface="Cambria Math" panose="02040503050406030204" pitchFamily="18" charset="0"/>
+                            <a:ea typeface="Cambria Math" panose="02040503050406030204" pitchFamily="18" charset="0"/>
+                          </a:rPr>
+                          <m:t>nnn</m:t>
+                        </m:r>
+                      </m:oMath>
+                      <m:oMath xmlns:m="http://schemas.openxmlformats.org/officeDocument/2006/math">
+                        <m:r>
+                          <m:rPr>
+                            <m:nor/>
+                          </m:rPr>
+                          <a:rPr lang="es-ES" sz="2800" dirty="0">
+                            <a:solidFill>
+                              <a:srgbClr val="000000"/>
+                            </a:solidFill>
+                            <a:latin typeface="Cambria Math" panose="02040503050406030204" pitchFamily="18" charset="0"/>
+                            <a:ea typeface="Cambria Math" panose="02040503050406030204" pitchFamily="18" charset="0"/>
+                          </a:rPr>
+                          <m:t>H</m:t>
+                        </m:r>
+                        <m:r>
+                          <m:rPr>
+                            <m:nor/>
+                          </m:rPr>
+                          <a:rPr lang="es-ES" sz="2800">
+                            <a:solidFill>
+                              <a:srgbClr val="000000"/>
+                            </a:solidFill>
+                            <a:effectLst/>
+                            <a:latin typeface="Cambria Math" panose="02040503050406030204" pitchFamily="18" charset="0"/>
+                            <a:ea typeface="Cambria Math" panose="02040503050406030204" pitchFamily="18" charset="0"/>
+                          </a:rPr>
+                          <m:t>∷=</m:t>
+                        </m:r>
+                        <m:r>
+                          <m:rPr>
+                            <m:nor/>
+                          </m:rPr>
+                          <a:rPr lang="es-ES" sz="2800" b="0" i="0" smtClean="0">
+                            <a:solidFill>
+                              <a:srgbClr val="000000"/>
+                            </a:solidFill>
+                            <a:effectLst/>
+                            <a:latin typeface="Cambria Math" panose="02040503050406030204" pitchFamily="18" charset="0"/>
+                            <a:ea typeface="Cambria Math" panose="02040503050406030204" pitchFamily="18" charset="0"/>
+                          </a:rPr>
+                          <m:t>HH</m:t>
+                        </m:r>
+                      </m:oMath>
+                      <m:oMath xmlns:m="http://schemas.openxmlformats.org/officeDocument/2006/math">
+                        <m:r>
+                          <m:rPr>
+                            <m:sty m:val="p"/>
+                          </m:rPr>
+                          <a:rPr lang="es-ES" sz="2800">
+                            <a:solidFill>
+                              <a:srgbClr val="000000"/>
+                            </a:solidFill>
+                            <a:latin typeface="Cambria Math" panose="02040503050406030204" pitchFamily="18" charset="0"/>
+                            <a:ea typeface="Cambria Math" panose="02040503050406030204" pitchFamily="18" charset="0"/>
+                          </a:rPr>
+                          <m:t>H</m:t>
+                        </m:r>
+                        <m:r>
+                          <m:rPr>
+                            <m:nor/>
+                          </m:rPr>
+                          <a:rPr lang="es-ES" sz="2800">
+                            <a:solidFill>
+                              <a:srgbClr val="000000"/>
+                            </a:solidFill>
+                            <a:latin typeface="Cambria Math" panose="02040503050406030204" pitchFamily="18" charset="0"/>
+                            <a:ea typeface="Cambria Math" panose="02040503050406030204" pitchFamily="18" charset="0"/>
+                          </a:rPr>
+                          <m:t>∷=</m:t>
+                        </m:r>
+                        <m:r>
+                          <m:rPr>
+                            <m:nor/>
+                          </m:rPr>
+                          <a:rPr lang="es-ES" sz="2800" b="0" i="0" smtClean="0">
+                            <a:solidFill>
+                              <a:srgbClr val="000000"/>
+                            </a:solidFill>
+                            <a:latin typeface="Cambria Math" panose="02040503050406030204" pitchFamily="18" charset="0"/>
+                            <a:ea typeface="Cambria Math" panose="02040503050406030204" pitchFamily="18" charset="0"/>
+                          </a:rPr>
+                          <m:t>/</m:t>
+                        </m:r>
+                        <m:r>
+                          <m:rPr>
+                            <m:nor/>
+                          </m:rPr>
+                          <a:rPr lang="es-ES" sz="2800" b="0" i="0" smtClean="0">
+                            <a:solidFill>
+                              <a:srgbClr val="000000"/>
+                            </a:solidFill>
+                            <a:latin typeface="Cambria Math" panose="02040503050406030204" pitchFamily="18" charset="0"/>
+                            <a:ea typeface="Cambria Math" panose="02040503050406030204" pitchFamily="18" charset="0"/>
+                          </a:rPr>
+                          <m:t>N</m:t>
+                        </m:r>
+                      </m:oMath>
+                      <m:oMath xmlns:m="http://schemas.openxmlformats.org/officeDocument/2006/math">
+                        <m:r>
+                          <m:rPr>
+                            <m:nor/>
+                          </m:rPr>
+                          <a:rPr lang="es-ES" sz="2800" b="0" i="0" smtClean="0">
+                            <a:solidFill>
+                              <a:srgbClr val="000000"/>
+                            </a:solidFill>
+                            <a:effectLst/>
+                            <a:latin typeface="Cambria Math" panose="02040503050406030204" pitchFamily="18" charset="0"/>
+                            <a:ea typeface="Cambria Math" panose="02040503050406030204" pitchFamily="18" charset="0"/>
+                          </a:rPr>
+                          <m:t>H</m:t>
+                        </m:r>
+                        <m:r>
+                          <m:rPr>
+                            <m:nor/>
+                          </m:rPr>
+                          <a:rPr lang="es-ES" sz="2800">
+                            <a:solidFill>
+                              <a:srgbClr val="000000"/>
+                            </a:solidFill>
+                            <a:latin typeface="Cambria Math" panose="02040503050406030204" pitchFamily="18" charset="0"/>
+                            <a:ea typeface="Cambria Math" panose="02040503050406030204" pitchFamily="18" charset="0"/>
+                          </a:rPr>
+                          <m:t>∷=</m:t>
+                        </m:r>
+                        <m:r>
+                          <m:rPr>
+                            <m:nor/>
+                          </m:rPr>
+                          <a:rPr lang="es-ES" sz="2800" b="0" i="0" smtClean="0">
+                            <a:solidFill>
+                              <a:srgbClr val="000000"/>
+                            </a:solidFill>
+                            <a:effectLst/>
+                            <a:latin typeface="Cambria Math" panose="02040503050406030204" pitchFamily="18" charset="0"/>
+                            <a:ea typeface="Cambria Math" panose="02040503050406030204" pitchFamily="18" charset="0"/>
+                          </a:rPr>
+                          <m:t>/</m:t>
+                        </m:r>
+                        <m:r>
+                          <m:rPr>
+                            <m:nor/>
+                          </m:rPr>
+                          <a:rPr lang="es-ES" sz="2800" b="0" i="0" smtClean="0">
+                            <a:solidFill>
+                              <a:srgbClr val="000000"/>
+                            </a:solidFill>
+                            <a:effectLst/>
+                            <a:latin typeface="Cambria Math" panose="02040503050406030204" pitchFamily="18" charset="0"/>
+                            <a:ea typeface="Cambria Math" panose="02040503050406030204" pitchFamily="18" charset="0"/>
+                          </a:rPr>
+                          <m:t>N</m:t>
+                        </m:r>
+                      </m:oMath>
+                      <m:oMath xmlns:m="http://schemas.openxmlformats.org/officeDocument/2006/math">
+                        <m:r>
+                          <m:rPr>
+                            <m:nor/>
+                          </m:rPr>
+                          <a:rPr lang="es-ES" sz="2800" b="0" i="0" smtClean="0">
+                            <a:solidFill>
+                              <a:srgbClr val="000000"/>
+                            </a:solidFill>
+                            <a:effectLst/>
+                            <a:latin typeface="Cambria Math" panose="02040503050406030204" pitchFamily="18" charset="0"/>
+                            <a:ea typeface="Cambria Math" panose="02040503050406030204" pitchFamily="18" charset="0"/>
+                          </a:rPr>
+                          <m:t>N</m:t>
+                        </m:r>
+                        <m:r>
+                          <m:rPr>
+                            <m:nor/>
+                          </m:rPr>
+                          <a:rPr lang="es-ES" sz="2800">
+                            <a:solidFill>
+                              <a:srgbClr val="000000"/>
+                            </a:solidFill>
+                            <a:latin typeface="Cambria Math" panose="02040503050406030204" pitchFamily="18" charset="0"/>
+                            <a:ea typeface="Cambria Math" panose="02040503050406030204" pitchFamily="18" charset="0"/>
+                          </a:rPr>
+                          <m:t>∷=</m:t>
+                        </m:r>
+                        <m:r>
+                          <m:rPr>
+                            <m:nor/>
+                          </m:rPr>
+                          <a:rPr lang="es-ES" sz="2800" b="0" i="0" smtClean="0">
+                            <a:solidFill>
+                              <a:srgbClr val="000000"/>
+                            </a:solidFill>
+                            <a:effectLst/>
+                            <a:latin typeface="Cambria Math" panose="02040503050406030204" pitchFamily="18" charset="0"/>
+                            <a:ea typeface="Cambria Math" panose="02040503050406030204" pitchFamily="18" charset="0"/>
+                          </a:rPr>
+                          <m:t>nN</m:t>
+                        </m:r>
+                      </m:oMath>
+                      <m:oMath xmlns:m="http://schemas.openxmlformats.org/officeDocument/2006/math">
+                        <m:r>
+                          <m:rPr>
+                            <m:nor/>
+                          </m:rPr>
+                          <a:rPr lang="es-ES" sz="2800">
+                            <a:solidFill>
+                              <a:srgbClr val="000000"/>
+                            </a:solidFill>
+                            <a:latin typeface="Cambria Math" panose="02040503050406030204" pitchFamily="18" charset="0"/>
+                            <a:ea typeface="Cambria Math" panose="02040503050406030204" pitchFamily="18" charset="0"/>
+                          </a:rPr>
+                          <m:t>N</m:t>
+                        </m:r>
+                        <m:r>
+                          <m:rPr>
+                            <m:nor/>
+                          </m:rPr>
+                          <a:rPr lang="es-ES" sz="2800">
+                            <a:solidFill>
+                              <a:srgbClr val="000000"/>
+                            </a:solidFill>
+                            <a:latin typeface="Cambria Math" panose="02040503050406030204" pitchFamily="18" charset="0"/>
+                            <a:ea typeface="Cambria Math" panose="02040503050406030204" pitchFamily="18" charset="0"/>
+                          </a:rPr>
+                          <m:t>∷=</m:t>
+                        </m:r>
+                        <m:r>
+                          <m:rPr>
+                            <m:nor/>
+                          </m:rPr>
+                          <a:rPr lang="es-ES" sz="2800" b="0" i="0" smtClean="0">
+                            <a:solidFill>
+                              <a:srgbClr val="000000"/>
+                            </a:solidFill>
+                            <a:effectLst/>
+                            <a:latin typeface="Cambria Math" panose="02040503050406030204" pitchFamily="18" charset="0"/>
+                            <a:ea typeface="Cambria Math" panose="02040503050406030204" pitchFamily="18" charset="0"/>
+                          </a:rPr>
+                          <m:t>n</m:t>
+                        </m:r>
+                      </m:oMath>
+                      <m:oMath xmlns:m="http://schemas.openxmlformats.org/officeDocument/2006/math">
+                        <m:r>
+                          <m:rPr>
+                            <m:nor/>
+                          </m:rPr>
+                          <a:rPr lang="es-ES" sz="2800">
+                            <a:solidFill>
+                              <a:srgbClr val="000000"/>
+                            </a:solidFill>
+                            <a:latin typeface="Cambria Math" panose="02040503050406030204" pitchFamily="18" charset="0"/>
+                            <a:ea typeface="Cambria Math" panose="02040503050406030204" pitchFamily="18" charset="0"/>
+                          </a:rPr>
+                          <m:t>N</m:t>
+                        </m:r>
+                        <m:r>
+                          <m:rPr>
+                            <m:nor/>
+                          </m:rPr>
+                          <a:rPr lang="es-ES" sz="2800">
+                            <a:solidFill>
+                              <a:srgbClr val="000000"/>
+                            </a:solidFill>
+                            <a:latin typeface="Cambria Math" panose="02040503050406030204" pitchFamily="18" charset="0"/>
+                            <a:ea typeface="Cambria Math" panose="02040503050406030204" pitchFamily="18" charset="0"/>
+                          </a:rPr>
+                          <m:t>∷=</m:t>
+                        </m:r>
+                        <m:r>
+                          <m:rPr>
+                            <m:nor/>
+                          </m:rPr>
+                          <a:rPr lang="es-ES" sz="2800" b="0" i="0" smtClean="0">
+                            <a:solidFill>
+                              <a:srgbClr val="000000"/>
+                            </a:solidFill>
+                            <a:effectLst/>
+                            <a:latin typeface="Cambria Math" panose="02040503050406030204" pitchFamily="18" charset="0"/>
+                            <a:ea typeface="Cambria Math" panose="02040503050406030204" pitchFamily="18" charset="0"/>
+                          </a:rPr>
+                          <m:t>n</m:t>
+                        </m:r>
+                      </m:oMath>
+                      <m:oMath xmlns:m="http://schemas.openxmlformats.org/officeDocument/2006/math">
+                        <m:r>
+                          <m:rPr>
+                            <m:nor/>
+                          </m:rPr>
+                          <a:rPr lang="es-ES" sz="2800" dirty="0">
+                            <a:solidFill>
+                              <a:srgbClr val="000000"/>
+                            </a:solidFill>
+                            <a:latin typeface="Cambria Math" panose="02040503050406030204" pitchFamily="18" charset="0"/>
+                            <a:ea typeface="Cambria Math" panose="02040503050406030204" pitchFamily="18" charset="0"/>
+                          </a:rPr>
+                          <m:t>Z</m:t>
+                        </m:r>
+                        <m:r>
+                          <m:rPr>
+                            <m:nor/>
+                          </m:rPr>
+                          <a:rPr lang="es-ES" sz="2800">
+                            <a:solidFill>
+                              <a:srgbClr val="000000"/>
+                            </a:solidFill>
+                            <a:latin typeface="Cambria Math" panose="02040503050406030204" pitchFamily="18" charset="0"/>
+                            <a:ea typeface="Cambria Math" panose="02040503050406030204" pitchFamily="18" charset="0"/>
+                          </a:rPr>
+                          <m:t>∷=</m:t>
+                        </m:r>
+                        <m:r>
+                          <m:rPr>
+                            <m:nor/>
+                          </m:rPr>
+                          <a:rPr lang="es-ES" sz="2800">
+                            <a:solidFill>
+                              <a:srgbClr val="000000"/>
+                            </a:solidFill>
+                            <a:latin typeface="Cambria Math" panose="02040503050406030204" pitchFamily="18" charset="0"/>
+                            <a:ea typeface="Cambria Math" panose="02040503050406030204" pitchFamily="18" charset="0"/>
+                          </a:rPr>
+                          <m:t>nn</m:t>
+                        </m:r>
+                      </m:oMath>
+                    </m:oMathPara>
+                  </a14:m>
+                  <a:endParaRPr lang="es-ES" sz="2800" dirty="0">
+                    <a:solidFill>
+                      <a:srgbClr val="000000"/>
+                    </a:solidFill>
+                    <a:latin typeface="Cambria Math" panose="02040503050406030204" pitchFamily="18" charset="0"/>
+                    <a:ea typeface="Cambria Math" panose="02040503050406030204" pitchFamily="18" charset="0"/>
+                  </a:endParaRPr>
+                </a:p>
+                <a:p>
+                  <a:pPr>
+                    <a:spcAft>
+                      <a:spcPts val="0"/>
+                    </a:spcAft>
+                  </a:pPr>
+                  <a:endParaRPr lang="es-ES" sz="2800" b="0" dirty="0">
+                    <a:solidFill>
+                      <a:srgbClr val="000000"/>
+                    </a:solidFill>
+                    <a:effectLst/>
+                    <a:latin typeface="Cambria Math" panose="02040503050406030204" pitchFamily="18" charset="0"/>
+                    <a:ea typeface="Cambria Math" panose="02040503050406030204" pitchFamily="18" charset="0"/>
+                  </a:endParaRPr>
+                </a:p>
+                <a:p>
+                  <a:pPr>
+                    <a:spcAft>
+                      <a:spcPts val="0"/>
+                    </a:spcAft>
+                  </a:pPr>
+                  <a:r>
+                    <a:rPr lang="es-ES" sz="2800" dirty="0">
+                      <a:effectLst/>
+                      <a:latin typeface="Cambria Math" panose="02040503050406030204" pitchFamily="18" charset="0"/>
+                      <a:ea typeface="Cambria Math" panose="02040503050406030204" pitchFamily="18" charset="0"/>
+                    </a:rPr>
+                    <a:t>Z</a:t>
+                  </a:r>
+                </a:p>
+              </p:txBody>
+            </p:sp>
+          </mc:Choice>
+          <mc:Fallback>
+            <p:sp>
+              <p:nvSpPr>
+                <p:cNvPr id="52" name="CuadroTexto 83">
+                  <a:extLst>
+                    <a:ext uri="{FF2B5EF4-FFF2-40B4-BE49-F238E27FC236}">
+                      <a16:creationId xmlns:a16="http://schemas.microsoft.com/office/drawing/2014/main" id="{41C93CB7-50CC-4093-BC28-C055D123405B}"/>
+                    </a:ext>
+                  </a:extLst>
+                </p:cNvPr>
+                <p:cNvSpPr txBox="1">
+                  <a:spLocks noRot="1" noChangeAspect="1" noMove="1" noResize="1" noEditPoints="1" noAdjustHandles="1" noChangeArrowheads="1" noChangeShapeType="1" noTextEdit="1"/>
+                </p:cNvSpPr>
+                <p:nvPr/>
+              </p:nvSpPr>
+              <p:spPr>
+                <a:xfrm>
+                  <a:off x="326910" y="11214"/>
+                  <a:ext cx="1416755" cy="3570941"/>
+                </a:xfrm>
+                <a:prstGeom prst="rect">
+                  <a:avLst/>
+                </a:prstGeom>
+                <a:blipFill>
+                  <a:blip r:embed="rId2"/>
+                  <a:stretch>
+                    <a:fillRect l="-9052" b="-27009"/>
+                  </a:stretch>
+                </a:blipFill>
+                <a:ln w="19050">
+                  <a:noFill/>
+                </a:ln>
+              </p:spPr>
+              <p:txBody>
+                <a:bodyPr/>
+                <a:lstStyle/>
+                <a:p>
+                  <a:r>
+                    <a:rPr lang="es-ES">
+                      <a:noFill/>
+                    </a:rPr>
+                    <a:t> </a:t>
+                  </a:r>
+                </a:p>
+              </p:txBody>
+            </p:sp>
+          </mc:Fallback>
+        </mc:AlternateContent>
         <p:grpSp>
           <p:nvGrpSpPr>
             <p:cNvPr id="220" name="Grupo 219">
@@ -3954,7 +3871,7 @@
           </p:nvGrpSpPr>
           <p:grpSpPr>
             <a:xfrm>
-              <a:off x="2198113" y="0"/>
+              <a:off x="2198113" y="-11011"/>
               <a:ext cx="7795774" cy="6272796"/>
               <a:chOff x="2198113" y="-4887"/>
               <a:chExt cx="7795774" cy="6272796"/>
